--- a/write-up/icons and images.pptx
+++ b/write-up/icons and images.pptx
@@ -6,6 +6,8 @@
   </p:sldMasterIdLst>
   <p:sldIdLst>
     <p:sldId id="256" r:id="rId2"/>
+    <p:sldId id="257" r:id="rId3"/>
+    <p:sldId id="258" r:id="rId4"/>
   </p:sldIdLst>
   <p:sldSz cx="12192000" cy="6858000"/>
   <p:notesSz cx="6858000" cy="9144000"/>
@@ -528,7 +530,7 @@
           <a:p>
             <a:fld id="{54D2636B-93AE-4EE8-9634-9602CF1FCC67}" type="datetimeFigureOut">
               <a:rPr lang="en-US" smtClean="0"/>
-              <a:t>10/8/2025</a:t>
+              <a:t>10/11/2025</a:t>
             </a:fld>
             <a:endParaRPr lang="en-US"/>
           </a:p>
@@ -726,7 +728,7 @@
           <a:p>
             <a:fld id="{54D2636B-93AE-4EE8-9634-9602CF1FCC67}" type="datetimeFigureOut">
               <a:rPr lang="en-US" smtClean="0"/>
-              <a:t>10/8/2025</a:t>
+              <a:t>10/11/2025</a:t>
             </a:fld>
             <a:endParaRPr lang="en-US"/>
           </a:p>
@@ -934,7 +936,7 @@
           <a:p>
             <a:fld id="{54D2636B-93AE-4EE8-9634-9602CF1FCC67}" type="datetimeFigureOut">
               <a:rPr lang="en-US" smtClean="0"/>
-              <a:t>10/8/2025</a:t>
+              <a:t>10/11/2025</a:t>
             </a:fld>
             <a:endParaRPr lang="en-US"/>
           </a:p>
@@ -1132,7 +1134,7 @@
           <a:p>
             <a:fld id="{54D2636B-93AE-4EE8-9634-9602CF1FCC67}" type="datetimeFigureOut">
               <a:rPr lang="en-US" smtClean="0"/>
-              <a:t>10/8/2025</a:t>
+              <a:t>10/11/2025</a:t>
             </a:fld>
             <a:endParaRPr lang="en-US"/>
           </a:p>
@@ -1407,7 +1409,7 @@
           <a:p>
             <a:fld id="{54D2636B-93AE-4EE8-9634-9602CF1FCC67}" type="datetimeFigureOut">
               <a:rPr lang="en-US" smtClean="0"/>
-              <a:t>10/8/2025</a:t>
+              <a:t>10/11/2025</a:t>
             </a:fld>
             <a:endParaRPr lang="en-US"/>
           </a:p>
@@ -1672,7 +1674,7 @@
           <a:p>
             <a:fld id="{54D2636B-93AE-4EE8-9634-9602CF1FCC67}" type="datetimeFigureOut">
               <a:rPr lang="en-US" smtClean="0"/>
-              <a:t>10/8/2025</a:t>
+              <a:t>10/11/2025</a:t>
             </a:fld>
             <a:endParaRPr lang="en-US"/>
           </a:p>
@@ -2084,7 +2086,7 @@
           <a:p>
             <a:fld id="{54D2636B-93AE-4EE8-9634-9602CF1FCC67}" type="datetimeFigureOut">
               <a:rPr lang="en-US" smtClean="0"/>
-              <a:t>10/8/2025</a:t>
+              <a:t>10/11/2025</a:t>
             </a:fld>
             <a:endParaRPr lang="en-US"/>
           </a:p>
@@ -2225,7 +2227,7 @@
           <a:p>
             <a:fld id="{54D2636B-93AE-4EE8-9634-9602CF1FCC67}" type="datetimeFigureOut">
               <a:rPr lang="en-US" smtClean="0"/>
-              <a:t>10/8/2025</a:t>
+              <a:t>10/11/2025</a:t>
             </a:fld>
             <a:endParaRPr lang="en-US"/>
           </a:p>
@@ -2338,7 +2340,7 @@
           <a:p>
             <a:fld id="{54D2636B-93AE-4EE8-9634-9602CF1FCC67}" type="datetimeFigureOut">
               <a:rPr lang="en-US" smtClean="0"/>
-              <a:t>10/8/2025</a:t>
+              <a:t>10/11/2025</a:t>
             </a:fld>
             <a:endParaRPr lang="en-US"/>
           </a:p>
@@ -2649,7 +2651,7 @@
           <a:p>
             <a:fld id="{54D2636B-93AE-4EE8-9634-9602CF1FCC67}" type="datetimeFigureOut">
               <a:rPr lang="en-US" smtClean="0"/>
-              <a:t>10/8/2025</a:t>
+              <a:t>10/11/2025</a:t>
             </a:fld>
             <a:endParaRPr lang="en-US"/>
           </a:p>
@@ -2937,7 +2939,7 @@
           <a:p>
             <a:fld id="{54D2636B-93AE-4EE8-9634-9602CF1FCC67}" type="datetimeFigureOut">
               <a:rPr lang="en-US" smtClean="0"/>
-              <a:t>10/8/2025</a:t>
+              <a:t>10/11/2025</a:t>
             </a:fld>
             <a:endParaRPr lang="en-US"/>
           </a:p>
@@ -3178,7 +3180,7 @@
           <a:p>
             <a:fld id="{54D2636B-93AE-4EE8-9634-9602CF1FCC67}" type="datetimeFigureOut">
               <a:rPr lang="en-US" smtClean="0"/>
-              <a:t>10/8/2025</a:t>
+              <a:t>10/11/2025</a:t>
             </a:fld>
             <a:endParaRPr lang="en-US"/>
           </a:p>
@@ -3617,8 +3619,991 @@
         </p:blipFill>
         <p:spPr>
           <a:xfrm>
-            <a:off x="1947706" y="1019022"/>
+            <a:off x="942661" y="647393"/>
             <a:ext cx="2238687" cy="2191056"/>
+          </a:xfrm>
+          <a:prstGeom prst="rect">
+            <a:avLst/>
+          </a:prstGeom>
+        </p:spPr>
+      </p:pic>
+      <p:grpSp>
+        <p:nvGrpSpPr>
+          <p:cNvPr id="22" name="Group 21">
+            <a:extLst>
+              <a:ext uri="{FF2B5EF4-FFF2-40B4-BE49-F238E27FC236}">
+                <a16:creationId xmlns:a16="http://schemas.microsoft.com/office/drawing/2014/main" id="{45F7C4F4-00B1-FF72-4FBF-0A1A881F8F03}"/>
+              </a:ext>
+            </a:extLst>
+          </p:cNvPr>
+          <p:cNvGrpSpPr/>
+          <p:nvPr/>
+        </p:nvGrpSpPr>
+        <p:grpSpPr>
+          <a:xfrm>
+            <a:off x="4024140" y="1218248"/>
+            <a:ext cx="5090211" cy="2995720"/>
+            <a:chOff x="4748040" y="2795588"/>
+            <a:chExt cx="5090211" cy="2995720"/>
+          </a:xfrm>
+        </p:grpSpPr>
+        <p:pic>
+          <p:nvPicPr>
+            <p:cNvPr id="3" name="Picture 2" descr="A screenshot of a computer&#10;&#10;AI-generated content may be incorrect.">
+              <a:extLst>
+                <a:ext uri="{FF2B5EF4-FFF2-40B4-BE49-F238E27FC236}">
+                  <a16:creationId xmlns:a16="http://schemas.microsoft.com/office/drawing/2014/main" id="{C519D1F4-2D2E-CBA7-E065-204EB29D6DEE}"/>
+                </a:ext>
+              </a:extLst>
+            </p:cNvPr>
+            <p:cNvPicPr>
+              <a:picLocks noChangeAspect="1"/>
+            </p:cNvPicPr>
+            <p:nvPr/>
+          </p:nvPicPr>
+          <p:blipFill>
+            <a:blip r:embed="rId3">
+              <a:extLst>
+                <a:ext uri="{28A0092B-C50C-407E-A947-70E740481C1C}">
+                  <a14:useLocalDpi xmlns:a14="http://schemas.microsoft.com/office/drawing/2010/main" val="0"/>
+                </a:ext>
+              </a:extLst>
+            </a:blip>
+            <a:srcRect b="2555"/>
+            <a:stretch>
+              <a:fillRect/>
+            </a:stretch>
+          </p:blipFill>
+          <p:spPr>
+            <a:xfrm>
+              <a:off x="5886449" y="2838450"/>
+              <a:ext cx="2981325" cy="2905126"/>
+            </a:xfrm>
+            <a:prstGeom prst="rect">
+              <a:avLst/>
+            </a:prstGeom>
+          </p:spPr>
+        </p:pic>
+        <p:pic>
+          <p:nvPicPr>
+            <p:cNvPr id="6" name="Picture 5">
+              <a:extLst>
+                <a:ext uri="{FF2B5EF4-FFF2-40B4-BE49-F238E27FC236}">
+                  <a16:creationId xmlns:a16="http://schemas.microsoft.com/office/drawing/2014/main" id="{8D1FDA29-1737-EAF5-1591-12C1863BF066}"/>
+                </a:ext>
+              </a:extLst>
+            </p:cNvPr>
+            <p:cNvPicPr>
+              <a:picLocks noChangeAspect="1"/>
+            </p:cNvPicPr>
+            <p:nvPr/>
+          </p:nvPicPr>
+          <p:blipFill>
+            <a:blip r:embed="rId4"/>
+            <a:srcRect l="14032" t="2555"/>
+            <a:stretch>
+              <a:fillRect/>
+            </a:stretch>
+          </p:blipFill>
+          <p:spPr>
+            <a:xfrm>
+              <a:off x="5681709" y="2838449"/>
+              <a:ext cx="204740" cy="2905126"/>
+            </a:xfrm>
+            <a:prstGeom prst="rect">
+              <a:avLst/>
+            </a:prstGeom>
+          </p:spPr>
+        </p:pic>
+        <p:pic>
+          <p:nvPicPr>
+            <p:cNvPr id="7" name="Picture 6">
+              <a:extLst>
+                <a:ext uri="{FF2B5EF4-FFF2-40B4-BE49-F238E27FC236}">
+                  <a16:creationId xmlns:a16="http://schemas.microsoft.com/office/drawing/2014/main" id="{3777F4A9-52E7-91F6-E754-CB13522FC00F}"/>
+                </a:ext>
+              </a:extLst>
+            </p:cNvPr>
+            <p:cNvPicPr>
+              <a:picLocks noChangeAspect="1"/>
+            </p:cNvPicPr>
+            <p:nvPr/>
+          </p:nvPicPr>
+          <p:blipFill>
+            <a:blip r:embed="rId4"/>
+            <a:srcRect l="14032" t="2555"/>
+            <a:stretch>
+              <a:fillRect/>
+            </a:stretch>
+          </p:blipFill>
+          <p:spPr>
+            <a:xfrm rot="10800000" flipV="1">
+              <a:off x="5476969" y="2838449"/>
+              <a:ext cx="204740" cy="2905126"/>
+            </a:xfrm>
+            <a:prstGeom prst="rect">
+              <a:avLst/>
+            </a:prstGeom>
+          </p:spPr>
+        </p:pic>
+        <p:pic>
+          <p:nvPicPr>
+            <p:cNvPr id="9" name="Picture 8">
+              <a:extLst>
+                <a:ext uri="{FF2B5EF4-FFF2-40B4-BE49-F238E27FC236}">
+                  <a16:creationId xmlns:a16="http://schemas.microsoft.com/office/drawing/2014/main" id="{18C261F9-B945-7CED-92E7-19CDE8DD7228}"/>
+                </a:ext>
+              </a:extLst>
+            </p:cNvPr>
+            <p:cNvPicPr>
+              <a:picLocks noChangeAspect="1"/>
+            </p:cNvPicPr>
+            <p:nvPr/>
+          </p:nvPicPr>
+          <p:blipFill>
+            <a:blip r:embed="rId4"/>
+            <a:srcRect l="14032" t="2555"/>
+            <a:stretch>
+              <a:fillRect/>
+            </a:stretch>
+          </p:blipFill>
+          <p:spPr>
+            <a:xfrm rot="10800000" flipH="1" flipV="1">
+              <a:off x="5281464" y="2838449"/>
+              <a:ext cx="204740" cy="2905126"/>
+            </a:xfrm>
+            <a:prstGeom prst="rect">
+              <a:avLst/>
+            </a:prstGeom>
+          </p:spPr>
+        </p:pic>
+        <p:pic>
+          <p:nvPicPr>
+            <p:cNvPr id="10" name="Picture 9">
+              <a:extLst>
+                <a:ext uri="{FF2B5EF4-FFF2-40B4-BE49-F238E27FC236}">
+                  <a16:creationId xmlns:a16="http://schemas.microsoft.com/office/drawing/2014/main" id="{76CCBD98-C2D6-A307-CC66-349A02287B2B}"/>
+                </a:ext>
+              </a:extLst>
+            </p:cNvPr>
+            <p:cNvPicPr>
+              <a:picLocks noChangeAspect="1"/>
+            </p:cNvPicPr>
+            <p:nvPr/>
+          </p:nvPicPr>
+          <p:blipFill>
+            <a:blip r:embed="rId4"/>
+            <a:srcRect l="14032" t="2555"/>
+            <a:stretch>
+              <a:fillRect/>
+            </a:stretch>
+          </p:blipFill>
+          <p:spPr>
+            <a:xfrm rot="10800000" flipV="1">
+              <a:off x="5122708" y="2838449"/>
+              <a:ext cx="204740" cy="2905126"/>
+            </a:xfrm>
+            <a:prstGeom prst="rect">
+              <a:avLst/>
+            </a:prstGeom>
+          </p:spPr>
+        </p:pic>
+        <p:pic>
+          <p:nvPicPr>
+            <p:cNvPr id="12" name="Picture 11">
+              <a:extLst>
+                <a:ext uri="{FF2B5EF4-FFF2-40B4-BE49-F238E27FC236}">
+                  <a16:creationId xmlns:a16="http://schemas.microsoft.com/office/drawing/2014/main" id="{D9408A3F-B323-7582-071A-2226BB534C40}"/>
+                </a:ext>
+              </a:extLst>
+            </p:cNvPr>
+            <p:cNvPicPr>
+              <a:picLocks noChangeAspect="1"/>
+            </p:cNvPicPr>
+            <p:nvPr/>
+          </p:nvPicPr>
+          <p:blipFill>
+            <a:blip r:embed="rId4"/>
+            <a:srcRect l="14032" t="2555"/>
+            <a:stretch>
+              <a:fillRect/>
+            </a:stretch>
+          </p:blipFill>
+          <p:spPr>
+            <a:xfrm rot="10800000" flipH="1" flipV="1">
+              <a:off x="4945577" y="2838449"/>
+              <a:ext cx="204740" cy="2905126"/>
+            </a:xfrm>
+            <a:prstGeom prst="rect">
+              <a:avLst/>
+            </a:prstGeom>
+          </p:spPr>
+        </p:pic>
+        <p:pic>
+          <p:nvPicPr>
+            <p:cNvPr id="13" name="Picture 12">
+              <a:extLst>
+                <a:ext uri="{FF2B5EF4-FFF2-40B4-BE49-F238E27FC236}">
+                  <a16:creationId xmlns:a16="http://schemas.microsoft.com/office/drawing/2014/main" id="{7916B31C-B3F8-1E42-447D-D5AE093E014B}"/>
+                </a:ext>
+              </a:extLst>
+            </p:cNvPr>
+            <p:cNvPicPr>
+              <a:picLocks noChangeAspect="1"/>
+            </p:cNvPicPr>
+            <p:nvPr/>
+          </p:nvPicPr>
+          <p:blipFill>
+            <a:blip r:embed="rId4"/>
+            <a:srcRect l="14032" t="2555"/>
+            <a:stretch>
+              <a:fillRect/>
+            </a:stretch>
+          </p:blipFill>
+          <p:spPr>
+            <a:xfrm rot="10800000" flipV="1">
+              <a:off x="4748040" y="2838449"/>
+              <a:ext cx="204740" cy="2905126"/>
+            </a:xfrm>
+            <a:prstGeom prst="rect">
+              <a:avLst/>
+            </a:prstGeom>
+          </p:spPr>
+        </p:pic>
+        <p:pic>
+          <p:nvPicPr>
+            <p:cNvPr id="15" name="Picture 14">
+              <a:extLst>
+                <a:ext uri="{FF2B5EF4-FFF2-40B4-BE49-F238E27FC236}">
+                  <a16:creationId xmlns:a16="http://schemas.microsoft.com/office/drawing/2014/main" id="{882358BA-4C3E-4D09-7E11-1118FECF5835}"/>
+                </a:ext>
+              </a:extLst>
+            </p:cNvPr>
+            <p:cNvPicPr>
+              <a:picLocks noChangeAspect="1"/>
+            </p:cNvPicPr>
+            <p:nvPr/>
+          </p:nvPicPr>
+          <p:blipFill>
+            <a:blip r:embed="rId5"/>
+            <a:srcRect l="1" r="18548"/>
+            <a:stretch>
+              <a:fillRect/>
+            </a:stretch>
+          </p:blipFill>
+          <p:spPr>
+            <a:xfrm flipH="1">
+              <a:off x="8867775" y="2795588"/>
+              <a:ext cx="142880" cy="2995720"/>
+            </a:xfrm>
+            <a:prstGeom prst="rect">
+              <a:avLst/>
+            </a:prstGeom>
+          </p:spPr>
+        </p:pic>
+        <p:pic>
+          <p:nvPicPr>
+            <p:cNvPr id="16" name="Picture 15">
+              <a:extLst>
+                <a:ext uri="{FF2B5EF4-FFF2-40B4-BE49-F238E27FC236}">
+                  <a16:creationId xmlns:a16="http://schemas.microsoft.com/office/drawing/2014/main" id="{2451D245-93C8-198E-F26A-25A7BCF9D4E7}"/>
+                </a:ext>
+              </a:extLst>
+            </p:cNvPr>
+            <p:cNvPicPr>
+              <a:picLocks noChangeAspect="1"/>
+            </p:cNvPicPr>
+            <p:nvPr/>
+          </p:nvPicPr>
+          <p:blipFill>
+            <a:blip r:embed="rId5"/>
+            <a:srcRect l="1" r="18548"/>
+            <a:stretch>
+              <a:fillRect/>
+            </a:stretch>
+          </p:blipFill>
+          <p:spPr>
+            <a:xfrm>
+              <a:off x="9010654" y="2795588"/>
+              <a:ext cx="142880" cy="2995720"/>
+            </a:xfrm>
+            <a:prstGeom prst="rect">
+              <a:avLst/>
+            </a:prstGeom>
+          </p:spPr>
+        </p:pic>
+        <p:pic>
+          <p:nvPicPr>
+            <p:cNvPr id="17" name="Picture 16">
+              <a:extLst>
+                <a:ext uri="{FF2B5EF4-FFF2-40B4-BE49-F238E27FC236}">
+                  <a16:creationId xmlns:a16="http://schemas.microsoft.com/office/drawing/2014/main" id="{FE014384-EB3E-28F6-5064-424B999F0B6E}"/>
+                </a:ext>
+              </a:extLst>
+            </p:cNvPr>
+            <p:cNvPicPr>
+              <a:picLocks noChangeAspect="1"/>
+            </p:cNvPicPr>
+            <p:nvPr/>
+          </p:nvPicPr>
+          <p:blipFill>
+            <a:blip r:embed="rId5"/>
+            <a:srcRect l="1" r="18548"/>
+            <a:stretch>
+              <a:fillRect/>
+            </a:stretch>
+          </p:blipFill>
+          <p:spPr>
+            <a:xfrm flipH="1">
+              <a:off x="9150596" y="2795588"/>
+              <a:ext cx="142880" cy="2995720"/>
+            </a:xfrm>
+            <a:prstGeom prst="rect">
+              <a:avLst/>
+            </a:prstGeom>
+          </p:spPr>
+        </p:pic>
+        <p:pic>
+          <p:nvPicPr>
+            <p:cNvPr id="18" name="Picture 17">
+              <a:extLst>
+                <a:ext uri="{FF2B5EF4-FFF2-40B4-BE49-F238E27FC236}">
+                  <a16:creationId xmlns:a16="http://schemas.microsoft.com/office/drawing/2014/main" id="{E8019F94-64FA-0350-2986-D09CD14C71F0}"/>
+                </a:ext>
+              </a:extLst>
+            </p:cNvPr>
+            <p:cNvPicPr>
+              <a:picLocks noChangeAspect="1"/>
+            </p:cNvPicPr>
+            <p:nvPr/>
+          </p:nvPicPr>
+          <p:blipFill>
+            <a:blip r:embed="rId5"/>
+            <a:srcRect l="1" r="18548"/>
+            <a:stretch>
+              <a:fillRect/>
+            </a:stretch>
+          </p:blipFill>
+          <p:spPr>
+            <a:xfrm>
+              <a:off x="9293481" y="2795588"/>
+              <a:ext cx="142880" cy="2995720"/>
+            </a:xfrm>
+            <a:prstGeom prst="rect">
+              <a:avLst/>
+            </a:prstGeom>
+          </p:spPr>
+        </p:pic>
+        <p:pic>
+          <p:nvPicPr>
+            <p:cNvPr id="19" name="Picture 18">
+              <a:extLst>
+                <a:ext uri="{FF2B5EF4-FFF2-40B4-BE49-F238E27FC236}">
+                  <a16:creationId xmlns:a16="http://schemas.microsoft.com/office/drawing/2014/main" id="{76435AEB-0488-10AC-177D-53437CA0B0D7}"/>
+                </a:ext>
+              </a:extLst>
+            </p:cNvPr>
+            <p:cNvPicPr>
+              <a:picLocks noChangeAspect="1"/>
+            </p:cNvPicPr>
+            <p:nvPr/>
+          </p:nvPicPr>
+          <p:blipFill>
+            <a:blip r:embed="rId5"/>
+            <a:srcRect l="1" r="18548"/>
+            <a:stretch>
+              <a:fillRect/>
+            </a:stretch>
+          </p:blipFill>
+          <p:spPr>
+            <a:xfrm flipH="1">
+              <a:off x="9422986" y="2795588"/>
+              <a:ext cx="142880" cy="2995720"/>
+            </a:xfrm>
+            <a:prstGeom prst="rect">
+              <a:avLst/>
+            </a:prstGeom>
+          </p:spPr>
+        </p:pic>
+        <p:pic>
+          <p:nvPicPr>
+            <p:cNvPr id="20" name="Picture 19">
+              <a:extLst>
+                <a:ext uri="{FF2B5EF4-FFF2-40B4-BE49-F238E27FC236}">
+                  <a16:creationId xmlns:a16="http://schemas.microsoft.com/office/drawing/2014/main" id="{6C22496C-293B-9184-ED2C-64E94273FC55}"/>
+                </a:ext>
+              </a:extLst>
+            </p:cNvPr>
+            <p:cNvPicPr>
+              <a:picLocks noChangeAspect="1"/>
+            </p:cNvPicPr>
+            <p:nvPr/>
+          </p:nvPicPr>
+          <p:blipFill>
+            <a:blip r:embed="rId5"/>
+            <a:srcRect l="1" r="18548"/>
+            <a:stretch>
+              <a:fillRect/>
+            </a:stretch>
+          </p:blipFill>
+          <p:spPr>
+            <a:xfrm>
+              <a:off x="9552491" y="2795588"/>
+              <a:ext cx="142880" cy="2995720"/>
+            </a:xfrm>
+            <a:prstGeom prst="rect">
+              <a:avLst/>
+            </a:prstGeom>
+          </p:spPr>
+        </p:pic>
+        <p:pic>
+          <p:nvPicPr>
+            <p:cNvPr id="21" name="Picture 20">
+              <a:extLst>
+                <a:ext uri="{FF2B5EF4-FFF2-40B4-BE49-F238E27FC236}">
+                  <a16:creationId xmlns:a16="http://schemas.microsoft.com/office/drawing/2014/main" id="{19056DD4-1F0F-B9B0-CE51-D36ED03CC7C3}"/>
+                </a:ext>
+              </a:extLst>
+            </p:cNvPr>
+            <p:cNvPicPr>
+              <a:picLocks noChangeAspect="1"/>
+            </p:cNvPicPr>
+            <p:nvPr/>
+          </p:nvPicPr>
+          <p:blipFill>
+            <a:blip r:embed="rId5"/>
+            <a:srcRect l="1" r="18548"/>
+            <a:stretch>
+              <a:fillRect/>
+            </a:stretch>
+          </p:blipFill>
+          <p:spPr>
+            <a:xfrm flipH="1">
+              <a:off x="9695371" y="2795588"/>
+              <a:ext cx="142880" cy="2995720"/>
+            </a:xfrm>
+            <a:prstGeom prst="rect">
+              <a:avLst/>
+            </a:prstGeom>
+          </p:spPr>
+        </p:pic>
+      </p:grpSp>
+      <p:grpSp>
+        <p:nvGrpSpPr>
+          <p:cNvPr id="23" name="Group 22">
+            <a:extLst>
+              <a:ext uri="{FF2B5EF4-FFF2-40B4-BE49-F238E27FC236}">
+                <a16:creationId xmlns:a16="http://schemas.microsoft.com/office/drawing/2014/main" id="{6A14CC13-3BFD-2FD4-546D-ACCF141C3C4E}"/>
+              </a:ext>
+            </a:extLst>
+          </p:cNvPr>
+          <p:cNvGrpSpPr/>
+          <p:nvPr/>
+        </p:nvGrpSpPr>
+        <p:grpSpPr>
+          <a:xfrm>
+            <a:off x="4176540" y="1370648"/>
+            <a:ext cx="5090211" cy="2995720"/>
+            <a:chOff x="4748040" y="2795588"/>
+            <a:chExt cx="5090211" cy="2995720"/>
+          </a:xfrm>
+        </p:grpSpPr>
+        <p:pic>
+          <p:nvPicPr>
+            <p:cNvPr id="24" name="Picture 23" descr="A screenshot of a computer&#10;&#10;AI-generated content may be incorrect.">
+              <a:extLst>
+                <a:ext uri="{FF2B5EF4-FFF2-40B4-BE49-F238E27FC236}">
+                  <a16:creationId xmlns:a16="http://schemas.microsoft.com/office/drawing/2014/main" id="{D4D56C5F-1E16-174A-9A4B-71832B9C9F74}"/>
+                </a:ext>
+              </a:extLst>
+            </p:cNvPr>
+            <p:cNvPicPr>
+              <a:picLocks noChangeAspect="1"/>
+            </p:cNvPicPr>
+            <p:nvPr/>
+          </p:nvPicPr>
+          <p:blipFill>
+            <a:blip r:embed="rId3">
+              <a:extLst>
+                <a:ext uri="{28A0092B-C50C-407E-A947-70E740481C1C}">
+                  <a14:useLocalDpi xmlns:a14="http://schemas.microsoft.com/office/drawing/2010/main" val="0"/>
+                </a:ext>
+              </a:extLst>
+            </a:blip>
+            <a:srcRect b="2555"/>
+            <a:stretch>
+              <a:fillRect/>
+            </a:stretch>
+          </p:blipFill>
+          <p:spPr>
+            <a:xfrm>
+              <a:off x="5886449" y="2838450"/>
+              <a:ext cx="2981325" cy="2905126"/>
+            </a:xfrm>
+            <a:prstGeom prst="rect">
+              <a:avLst/>
+            </a:prstGeom>
+          </p:spPr>
+        </p:pic>
+        <p:pic>
+          <p:nvPicPr>
+            <p:cNvPr id="25" name="Picture 24">
+              <a:extLst>
+                <a:ext uri="{FF2B5EF4-FFF2-40B4-BE49-F238E27FC236}">
+                  <a16:creationId xmlns:a16="http://schemas.microsoft.com/office/drawing/2014/main" id="{D8885E23-0401-BA54-D338-4B7B158CE38F}"/>
+                </a:ext>
+              </a:extLst>
+            </p:cNvPr>
+            <p:cNvPicPr>
+              <a:picLocks noChangeAspect="1"/>
+            </p:cNvPicPr>
+            <p:nvPr/>
+          </p:nvPicPr>
+          <p:blipFill>
+            <a:blip r:embed="rId4"/>
+            <a:srcRect l="14032" t="2555"/>
+            <a:stretch>
+              <a:fillRect/>
+            </a:stretch>
+          </p:blipFill>
+          <p:spPr>
+            <a:xfrm>
+              <a:off x="5681709" y="2838449"/>
+              <a:ext cx="204740" cy="2905126"/>
+            </a:xfrm>
+            <a:prstGeom prst="rect">
+              <a:avLst/>
+            </a:prstGeom>
+          </p:spPr>
+        </p:pic>
+        <p:pic>
+          <p:nvPicPr>
+            <p:cNvPr id="26" name="Picture 25">
+              <a:extLst>
+                <a:ext uri="{FF2B5EF4-FFF2-40B4-BE49-F238E27FC236}">
+                  <a16:creationId xmlns:a16="http://schemas.microsoft.com/office/drawing/2014/main" id="{359A0C64-0952-CA08-57E4-744591E85F80}"/>
+                </a:ext>
+              </a:extLst>
+            </p:cNvPr>
+            <p:cNvPicPr>
+              <a:picLocks noChangeAspect="1"/>
+            </p:cNvPicPr>
+            <p:nvPr/>
+          </p:nvPicPr>
+          <p:blipFill>
+            <a:blip r:embed="rId4"/>
+            <a:srcRect l="14032" t="2555"/>
+            <a:stretch>
+              <a:fillRect/>
+            </a:stretch>
+          </p:blipFill>
+          <p:spPr>
+            <a:xfrm rot="10800000" flipV="1">
+              <a:off x="5476969" y="2838449"/>
+              <a:ext cx="204740" cy="2905126"/>
+            </a:xfrm>
+            <a:prstGeom prst="rect">
+              <a:avLst/>
+            </a:prstGeom>
+          </p:spPr>
+        </p:pic>
+        <p:pic>
+          <p:nvPicPr>
+            <p:cNvPr id="27" name="Picture 26">
+              <a:extLst>
+                <a:ext uri="{FF2B5EF4-FFF2-40B4-BE49-F238E27FC236}">
+                  <a16:creationId xmlns:a16="http://schemas.microsoft.com/office/drawing/2014/main" id="{127EFD8A-FFC4-06D0-2323-21AABE34704F}"/>
+                </a:ext>
+              </a:extLst>
+            </p:cNvPr>
+            <p:cNvPicPr>
+              <a:picLocks noChangeAspect="1"/>
+            </p:cNvPicPr>
+            <p:nvPr/>
+          </p:nvPicPr>
+          <p:blipFill>
+            <a:blip r:embed="rId4"/>
+            <a:srcRect l="14032" t="2555"/>
+            <a:stretch>
+              <a:fillRect/>
+            </a:stretch>
+          </p:blipFill>
+          <p:spPr>
+            <a:xfrm rot="10800000" flipH="1" flipV="1">
+              <a:off x="5281464" y="2838449"/>
+              <a:ext cx="204740" cy="2905126"/>
+            </a:xfrm>
+            <a:prstGeom prst="rect">
+              <a:avLst/>
+            </a:prstGeom>
+          </p:spPr>
+        </p:pic>
+        <p:pic>
+          <p:nvPicPr>
+            <p:cNvPr id="28" name="Picture 27">
+              <a:extLst>
+                <a:ext uri="{FF2B5EF4-FFF2-40B4-BE49-F238E27FC236}">
+                  <a16:creationId xmlns:a16="http://schemas.microsoft.com/office/drawing/2014/main" id="{8F3BE54B-8763-B128-4331-A2199837C5DE}"/>
+                </a:ext>
+              </a:extLst>
+            </p:cNvPr>
+            <p:cNvPicPr>
+              <a:picLocks noChangeAspect="1"/>
+            </p:cNvPicPr>
+            <p:nvPr/>
+          </p:nvPicPr>
+          <p:blipFill>
+            <a:blip r:embed="rId4"/>
+            <a:srcRect l="14032" t="2555"/>
+            <a:stretch>
+              <a:fillRect/>
+            </a:stretch>
+          </p:blipFill>
+          <p:spPr>
+            <a:xfrm rot="10800000" flipV="1">
+              <a:off x="5122708" y="2838449"/>
+              <a:ext cx="204740" cy="2905126"/>
+            </a:xfrm>
+            <a:prstGeom prst="rect">
+              <a:avLst/>
+            </a:prstGeom>
+          </p:spPr>
+        </p:pic>
+        <p:pic>
+          <p:nvPicPr>
+            <p:cNvPr id="29" name="Picture 28">
+              <a:extLst>
+                <a:ext uri="{FF2B5EF4-FFF2-40B4-BE49-F238E27FC236}">
+                  <a16:creationId xmlns:a16="http://schemas.microsoft.com/office/drawing/2014/main" id="{697F31F1-4075-92DF-8D3A-548D57888B24}"/>
+                </a:ext>
+              </a:extLst>
+            </p:cNvPr>
+            <p:cNvPicPr>
+              <a:picLocks noChangeAspect="1"/>
+            </p:cNvPicPr>
+            <p:nvPr/>
+          </p:nvPicPr>
+          <p:blipFill>
+            <a:blip r:embed="rId4"/>
+            <a:srcRect l="14032" t="2555"/>
+            <a:stretch>
+              <a:fillRect/>
+            </a:stretch>
+          </p:blipFill>
+          <p:spPr>
+            <a:xfrm rot="10800000" flipH="1" flipV="1">
+              <a:off x="4945577" y="2838449"/>
+              <a:ext cx="204740" cy="2905126"/>
+            </a:xfrm>
+            <a:prstGeom prst="rect">
+              <a:avLst/>
+            </a:prstGeom>
+          </p:spPr>
+        </p:pic>
+        <p:pic>
+          <p:nvPicPr>
+            <p:cNvPr id="30" name="Picture 29">
+              <a:extLst>
+                <a:ext uri="{FF2B5EF4-FFF2-40B4-BE49-F238E27FC236}">
+                  <a16:creationId xmlns:a16="http://schemas.microsoft.com/office/drawing/2014/main" id="{5C25B223-6552-678B-BCE7-6A5448FD95DB}"/>
+                </a:ext>
+              </a:extLst>
+            </p:cNvPr>
+            <p:cNvPicPr>
+              <a:picLocks noChangeAspect="1"/>
+            </p:cNvPicPr>
+            <p:nvPr/>
+          </p:nvPicPr>
+          <p:blipFill>
+            <a:blip r:embed="rId4"/>
+            <a:srcRect l="14032" t="2555"/>
+            <a:stretch>
+              <a:fillRect/>
+            </a:stretch>
+          </p:blipFill>
+          <p:spPr>
+            <a:xfrm rot="10800000" flipV="1">
+              <a:off x="4748040" y="2838449"/>
+              <a:ext cx="204740" cy="2905126"/>
+            </a:xfrm>
+            <a:prstGeom prst="rect">
+              <a:avLst/>
+            </a:prstGeom>
+          </p:spPr>
+        </p:pic>
+        <p:pic>
+          <p:nvPicPr>
+            <p:cNvPr id="31" name="Picture 30">
+              <a:extLst>
+                <a:ext uri="{FF2B5EF4-FFF2-40B4-BE49-F238E27FC236}">
+                  <a16:creationId xmlns:a16="http://schemas.microsoft.com/office/drawing/2014/main" id="{E51891A2-9C1F-7FF8-BEEC-088F82782D06}"/>
+                </a:ext>
+              </a:extLst>
+            </p:cNvPr>
+            <p:cNvPicPr>
+              <a:picLocks noChangeAspect="1"/>
+            </p:cNvPicPr>
+            <p:nvPr/>
+          </p:nvPicPr>
+          <p:blipFill>
+            <a:blip r:embed="rId5"/>
+            <a:srcRect l="1" r="18548"/>
+            <a:stretch>
+              <a:fillRect/>
+            </a:stretch>
+          </p:blipFill>
+          <p:spPr>
+            <a:xfrm flipH="1">
+              <a:off x="8867775" y="2795588"/>
+              <a:ext cx="142880" cy="2995720"/>
+            </a:xfrm>
+            <a:prstGeom prst="rect">
+              <a:avLst/>
+            </a:prstGeom>
+          </p:spPr>
+        </p:pic>
+        <p:pic>
+          <p:nvPicPr>
+            <p:cNvPr id="32" name="Picture 31">
+              <a:extLst>
+                <a:ext uri="{FF2B5EF4-FFF2-40B4-BE49-F238E27FC236}">
+                  <a16:creationId xmlns:a16="http://schemas.microsoft.com/office/drawing/2014/main" id="{6CCCC154-EE75-5226-4E10-DE8159A26E9C}"/>
+                </a:ext>
+              </a:extLst>
+            </p:cNvPr>
+            <p:cNvPicPr>
+              <a:picLocks noChangeAspect="1"/>
+            </p:cNvPicPr>
+            <p:nvPr/>
+          </p:nvPicPr>
+          <p:blipFill>
+            <a:blip r:embed="rId5"/>
+            <a:srcRect l="1" r="18548"/>
+            <a:stretch>
+              <a:fillRect/>
+            </a:stretch>
+          </p:blipFill>
+          <p:spPr>
+            <a:xfrm>
+              <a:off x="9010654" y="2795588"/>
+              <a:ext cx="142880" cy="2995720"/>
+            </a:xfrm>
+            <a:prstGeom prst="rect">
+              <a:avLst/>
+            </a:prstGeom>
+          </p:spPr>
+        </p:pic>
+        <p:pic>
+          <p:nvPicPr>
+            <p:cNvPr id="33" name="Picture 32">
+              <a:extLst>
+                <a:ext uri="{FF2B5EF4-FFF2-40B4-BE49-F238E27FC236}">
+                  <a16:creationId xmlns:a16="http://schemas.microsoft.com/office/drawing/2014/main" id="{01439E5B-1E10-77EB-BE97-D91ABC01FAC3}"/>
+                </a:ext>
+              </a:extLst>
+            </p:cNvPr>
+            <p:cNvPicPr>
+              <a:picLocks noChangeAspect="1"/>
+            </p:cNvPicPr>
+            <p:nvPr/>
+          </p:nvPicPr>
+          <p:blipFill>
+            <a:blip r:embed="rId5"/>
+            <a:srcRect l="1" r="18548"/>
+            <a:stretch>
+              <a:fillRect/>
+            </a:stretch>
+          </p:blipFill>
+          <p:spPr>
+            <a:xfrm flipH="1">
+              <a:off x="9150596" y="2795588"/>
+              <a:ext cx="142880" cy="2995720"/>
+            </a:xfrm>
+            <a:prstGeom prst="rect">
+              <a:avLst/>
+            </a:prstGeom>
+          </p:spPr>
+        </p:pic>
+        <p:pic>
+          <p:nvPicPr>
+            <p:cNvPr id="34" name="Picture 33">
+              <a:extLst>
+                <a:ext uri="{FF2B5EF4-FFF2-40B4-BE49-F238E27FC236}">
+                  <a16:creationId xmlns:a16="http://schemas.microsoft.com/office/drawing/2014/main" id="{ECC59760-7CE1-1275-7BD2-8D32116361B5}"/>
+                </a:ext>
+              </a:extLst>
+            </p:cNvPr>
+            <p:cNvPicPr>
+              <a:picLocks noChangeAspect="1"/>
+            </p:cNvPicPr>
+            <p:nvPr/>
+          </p:nvPicPr>
+          <p:blipFill>
+            <a:blip r:embed="rId5"/>
+            <a:srcRect l="1" r="18548"/>
+            <a:stretch>
+              <a:fillRect/>
+            </a:stretch>
+          </p:blipFill>
+          <p:spPr>
+            <a:xfrm>
+              <a:off x="9293481" y="2795588"/>
+              <a:ext cx="142880" cy="2995720"/>
+            </a:xfrm>
+            <a:prstGeom prst="rect">
+              <a:avLst/>
+            </a:prstGeom>
+          </p:spPr>
+        </p:pic>
+        <p:pic>
+          <p:nvPicPr>
+            <p:cNvPr id="35" name="Picture 34">
+              <a:extLst>
+                <a:ext uri="{FF2B5EF4-FFF2-40B4-BE49-F238E27FC236}">
+                  <a16:creationId xmlns:a16="http://schemas.microsoft.com/office/drawing/2014/main" id="{D5369ACD-24E1-6C98-03B0-2A4CB1EC26E3}"/>
+                </a:ext>
+              </a:extLst>
+            </p:cNvPr>
+            <p:cNvPicPr>
+              <a:picLocks noChangeAspect="1"/>
+            </p:cNvPicPr>
+            <p:nvPr/>
+          </p:nvPicPr>
+          <p:blipFill>
+            <a:blip r:embed="rId5"/>
+            <a:srcRect l="1" r="18548"/>
+            <a:stretch>
+              <a:fillRect/>
+            </a:stretch>
+          </p:blipFill>
+          <p:spPr>
+            <a:xfrm flipH="1">
+              <a:off x="9422986" y="2795588"/>
+              <a:ext cx="142880" cy="2995720"/>
+            </a:xfrm>
+            <a:prstGeom prst="rect">
+              <a:avLst/>
+            </a:prstGeom>
+          </p:spPr>
+        </p:pic>
+        <p:pic>
+          <p:nvPicPr>
+            <p:cNvPr id="36" name="Picture 35">
+              <a:extLst>
+                <a:ext uri="{FF2B5EF4-FFF2-40B4-BE49-F238E27FC236}">
+                  <a16:creationId xmlns:a16="http://schemas.microsoft.com/office/drawing/2014/main" id="{322CCE49-65AF-AE57-3F7C-098D5217267A}"/>
+                </a:ext>
+              </a:extLst>
+            </p:cNvPr>
+            <p:cNvPicPr>
+              <a:picLocks noChangeAspect="1"/>
+            </p:cNvPicPr>
+            <p:nvPr/>
+          </p:nvPicPr>
+          <p:blipFill>
+            <a:blip r:embed="rId5"/>
+            <a:srcRect l="1" r="18548"/>
+            <a:stretch>
+              <a:fillRect/>
+            </a:stretch>
+          </p:blipFill>
+          <p:spPr>
+            <a:xfrm>
+              <a:off x="9552491" y="2795588"/>
+              <a:ext cx="142880" cy="2995720"/>
+            </a:xfrm>
+            <a:prstGeom prst="rect">
+              <a:avLst/>
+            </a:prstGeom>
+          </p:spPr>
+        </p:pic>
+        <p:pic>
+          <p:nvPicPr>
+            <p:cNvPr id="37" name="Picture 36">
+              <a:extLst>
+                <a:ext uri="{FF2B5EF4-FFF2-40B4-BE49-F238E27FC236}">
+                  <a16:creationId xmlns:a16="http://schemas.microsoft.com/office/drawing/2014/main" id="{D0A3C003-37A1-7470-D86C-E361E3D7A582}"/>
+                </a:ext>
+              </a:extLst>
+            </p:cNvPr>
+            <p:cNvPicPr>
+              <a:picLocks noChangeAspect="1"/>
+            </p:cNvPicPr>
+            <p:nvPr/>
+          </p:nvPicPr>
+          <p:blipFill>
+            <a:blip r:embed="rId5"/>
+            <a:srcRect l="1" r="18548"/>
+            <a:stretch>
+              <a:fillRect/>
+            </a:stretch>
+          </p:blipFill>
+          <p:spPr>
+            <a:xfrm flipH="1">
+              <a:off x="9695371" y="2795588"/>
+              <a:ext cx="142880" cy="2995720"/>
+            </a:xfrm>
+            <a:prstGeom prst="rect">
+              <a:avLst/>
+            </a:prstGeom>
+          </p:spPr>
+        </p:pic>
+      </p:grpSp>
+    </p:spTree>
+    <p:extLst>
+      <p:ext uri="{BB962C8B-B14F-4D97-AF65-F5344CB8AC3E}">
+        <p14:creationId xmlns:p14="http://schemas.microsoft.com/office/powerpoint/2010/main" val="1918709178"/>
+      </p:ext>
+    </p:extLst>
+  </p:cSld>
+  <p:clrMapOvr>
+    <a:masterClrMapping/>
+  </p:clrMapOvr>
+</p:sld>
+</file>
+
+<file path=ppt/slides/slide2.xml><?xml version="1.0" encoding="utf-8"?>
+<p:sld xmlns:a="http://schemas.openxmlformats.org/drawingml/2006/main" xmlns:r="http://schemas.openxmlformats.org/officeDocument/2006/relationships" xmlns:p="http://schemas.openxmlformats.org/presentationml/2006/main">
+  <p:cSld>
+    <p:spTree>
+      <p:nvGrpSpPr>
+        <p:cNvPr id="1" name=""/>
+        <p:cNvGrpSpPr/>
+        <p:nvPr/>
+      </p:nvGrpSpPr>
+      <p:grpSpPr>
+        <a:xfrm>
+          <a:off x="0" y="0"/>
+          <a:ext cx="0" cy="0"/>
+          <a:chOff x="0" y="0"/>
+          <a:chExt cx="0" cy="0"/>
+        </a:xfrm>
+      </p:grpSpPr>
+      <p:pic>
+        <p:nvPicPr>
+          <p:cNvPr id="53" name="Picture 52">
+            <a:extLst>
+              <a:ext uri="{FF2B5EF4-FFF2-40B4-BE49-F238E27FC236}">
+                <a16:creationId xmlns:a16="http://schemas.microsoft.com/office/drawing/2014/main" id="{78440265-1440-87CB-4CD7-BDF83CDE362C}"/>
+              </a:ext>
+            </a:extLst>
+          </p:cNvPr>
+          <p:cNvPicPr>
+            <a:picLocks noChangeAspect="1"/>
+          </p:cNvPicPr>
+          <p:nvPr/>
+        </p:nvPicPr>
+        <p:blipFill>
+          <a:blip r:embed="rId2"/>
+          <a:srcRect l="1482" t="7325" r="1221" b="3801"/>
+          <a:stretch>
+            <a:fillRect/>
+          </a:stretch>
+        </p:blipFill>
+        <p:spPr>
+          <a:xfrm>
+            <a:off x="5467349" y="3604261"/>
+            <a:ext cx="4953001" cy="2660332"/>
           </a:xfrm>
           <a:prstGeom prst="rect">
             <a:avLst/>
@@ -3628,7 +4613,87 @@
     </p:spTree>
     <p:extLst>
       <p:ext uri="{BB962C8B-B14F-4D97-AF65-F5344CB8AC3E}">
-        <p14:creationId xmlns:p14="http://schemas.microsoft.com/office/powerpoint/2010/main" val="1918709178"/>
+        <p14:creationId xmlns:p14="http://schemas.microsoft.com/office/powerpoint/2010/main" val="446150282"/>
+      </p:ext>
+    </p:extLst>
+  </p:cSld>
+  <p:clrMapOvr>
+    <a:masterClrMapping/>
+  </p:clrMapOvr>
+</p:sld>
+</file>
+
+<file path=ppt/slides/slide3.xml><?xml version="1.0" encoding="utf-8"?>
+<p:sld xmlns:a="http://schemas.openxmlformats.org/drawingml/2006/main" xmlns:r="http://schemas.openxmlformats.org/officeDocument/2006/relationships" xmlns:p="http://schemas.openxmlformats.org/presentationml/2006/main">
+  <p:cSld>
+    <p:spTree>
+      <p:nvGrpSpPr>
+        <p:cNvPr id="1" name=""/>
+        <p:cNvGrpSpPr/>
+        <p:nvPr/>
+      </p:nvGrpSpPr>
+      <p:grpSpPr>
+        <a:xfrm>
+          <a:off x="0" y="0"/>
+          <a:ext cx="0" cy="0"/>
+          <a:chOff x="0" y="0"/>
+          <a:chExt cx="0" cy="0"/>
+        </a:xfrm>
+      </p:grpSpPr>
+      <p:sp>
+        <p:nvSpPr>
+          <p:cNvPr id="2" name="Title 1">
+            <a:extLst>
+              <a:ext uri="{FF2B5EF4-FFF2-40B4-BE49-F238E27FC236}">
+                <a16:creationId xmlns:a16="http://schemas.microsoft.com/office/drawing/2014/main" id="{6BF02AED-8459-67E4-F4E5-E5403E56DDB9}"/>
+              </a:ext>
+            </a:extLst>
+          </p:cNvPr>
+          <p:cNvSpPr>
+            <a:spLocks noGrp="1"/>
+          </p:cNvSpPr>
+          <p:nvPr>
+            <p:ph type="title"/>
+          </p:nvPr>
+        </p:nvSpPr>
+        <p:spPr/>
+        <p:txBody>
+          <a:bodyPr/>
+          <a:lstStyle/>
+          <a:p>
+            <a:endParaRPr lang="en-US"/>
+          </a:p>
+        </p:txBody>
+      </p:sp>
+      <p:sp>
+        <p:nvSpPr>
+          <p:cNvPr id="3" name="Content Placeholder 2">
+            <a:extLst>
+              <a:ext uri="{FF2B5EF4-FFF2-40B4-BE49-F238E27FC236}">
+                <a16:creationId xmlns:a16="http://schemas.microsoft.com/office/drawing/2014/main" id="{4E7AD887-4104-96D7-4645-98711EAC6609}"/>
+              </a:ext>
+            </a:extLst>
+          </p:cNvPr>
+          <p:cNvSpPr>
+            <a:spLocks noGrp="1"/>
+          </p:cNvSpPr>
+          <p:nvPr>
+            <p:ph idx="1"/>
+          </p:nvPr>
+        </p:nvSpPr>
+        <p:spPr/>
+        <p:txBody>
+          <a:bodyPr/>
+          <a:lstStyle/>
+          <a:p>
+            <a:endParaRPr lang="en-US"/>
+          </a:p>
+        </p:txBody>
+      </p:sp>
+    </p:spTree>
+    <p:extLst>
+      <p:ext uri="{BB962C8B-B14F-4D97-AF65-F5344CB8AC3E}">
+        <p14:creationId xmlns:p14="http://schemas.microsoft.com/office/powerpoint/2010/main" val="2551440420"/>
       </p:ext>
     </p:extLst>
   </p:cSld>
